--- a/dist/doc/Your_Poster_Number.pptx
+++ b/dist/doc/Your_Poster_Number.pptx
@@ -2995,8 +2995,8 @@
         </p:nvSpPr>
         <p:spPr bwMode="auto">
           <a:xfrm>
-            <a:off x="6400800" y="20637"/>
-            <a:ext cx="2743200" cy="461963"/>
+            <a:off x="7050995" y="20637"/>
+            <a:ext cx="1560344" cy="461963"/>
           </a:xfrm>
           <a:prstGeom prst="rect">
             <a:avLst/>
@@ -3026,7 +3026,7 @@
           </a:extLst>
         </p:spPr>
         <p:txBody>
-          <a:bodyPr>
+          <a:bodyPr wrap="square">
             <a:spAutoFit/>
           </a:bodyPr>
           <a:lstStyle>
@@ -3197,7 +3197,7 @@
             </a:lvl9pPr>
           </a:lstStyle>
           <a:p>
-            <a:pPr eaLnBrk="1" hangingPunct="1">
+            <a:pPr algn="ctr" eaLnBrk="1" hangingPunct="1">
               <a:lnSpc>
                 <a:spcPct val="100000"/>
               </a:lnSpc>
@@ -3232,7 +3232,7 @@
         <p:spPr bwMode="auto">
           <a:xfrm>
             <a:off x="635566" y="2230900"/>
-            <a:ext cx="5258185" cy="3139321"/>
+            <a:ext cx="5953920" cy="3785652"/>
           </a:xfrm>
           <a:prstGeom prst="rect">
             <a:avLst/>
@@ -3433,316 +3433,354 @@
             </a:lvl9pPr>
           </a:lstStyle>
           <a:p>
-            <a:pPr eaLnBrk="1" hangingPunct="1">
+            <a:pPr marL="360000" indent="-360000" eaLnBrk="1" hangingPunct="1">
               <a:lnSpc>
                 <a:spcPct val="100000"/>
               </a:lnSpc>
               <a:spcBef>
                 <a:spcPct val="0"/>
               </a:spcBef>
-              <a:buFontTx/>
-              <a:buNone/>
+              <a:buFont typeface="+mj-lt"/>
+              <a:buAutoNum type="arabicPeriod"/>
             </a:pPr>
             <a:r>
-              <a:rPr lang="en-US" altLang="ja-JP" sz="1800" dirty="0">
+              <a:rPr lang="en-US" altLang="ja-JP" sz="2000" dirty="0" smtClean="0">
                 <a:latin typeface="Times New Roman" panose="02020603050405020304" pitchFamily="18" charset="0"/>
                 <a:cs typeface="Times New Roman" panose="02020603050405020304" pitchFamily="18" charset="0"/>
               </a:rPr>
-              <a:t>(</a:t>
-            </a:r>
-            <a:r>
-              <a:rPr lang="en-US" altLang="ja-JP" sz="1800" dirty="0" smtClean="0">
+              <a:t>Put </a:t>
+            </a:r>
+            <a:r>
+              <a:rPr lang="en-US" altLang="ja-JP" sz="2000" dirty="0" smtClean="0">
                 <a:latin typeface="Times New Roman" panose="02020603050405020304" pitchFamily="18" charset="0"/>
                 <a:cs typeface="Times New Roman" panose="02020603050405020304" pitchFamily="18" charset="0"/>
               </a:rPr>
-              <a:t>1) Put </a:t>
-            </a:r>
-            <a:r>
-              <a:rPr lang="en-US" altLang="ja-JP" sz="1800" dirty="0">
+              <a:t>your poster</a:t>
+            </a:r>
+            <a:r>
+              <a:rPr lang="en-US" altLang="zh-CN" sz="2000" dirty="0" smtClean="0">
+                <a:latin typeface="Times New Roman" panose="02020603050405020304" pitchFamily="18" charset="0"/>
+                <a:cs typeface="Times New Roman" panose="02020603050405020304" pitchFamily="18" charset="0"/>
+              </a:rPr>
+              <a:t> number, </a:t>
+            </a:r>
+            <a:r>
+              <a:rPr lang="en-US" altLang="ja-JP" sz="2000" dirty="0" smtClean="0">
+                <a:latin typeface="Times New Roman" panose="02020603050405020304" pitchFamily="18" charset="0"/>
+                <a:cs typeface="Times New Roman" panose="02020603050405020304" pitchFamily="18" charset="0"/>
+              </a:rPr>
+              <a:t>title, your name(s) </a:t>
+            </a:r>
+            <a:r>
+              <a:rPr lang="en-US" altLang="ja-JP" sz="2000" dirty="0">
+                <a:latin typeface="Times New Roman" panose="02020603050405020304" pitchFamily="18" charset="0"/>
+                <a:cs typeface="Times New Roman" panose="02020603050405020304" pitchFamily="18" charset="0"/>
+              </a:rPr>
+              <a:t>and </a:t>
+            </a:r>
+            <a:r>
+              <a:rPr lang="en-US" altLang="ja-JP" sz="2000" dirty="0" smtClean="0">
+                <a:latin typeface="Times New Roman" panose="02020603050405020304" pitchFamily="18" charset="0"/>
+                <a:cs typeface="Times New Roman" panose="02020603050405020304" pitchFamily="18" charset="0"/>
+              </a:rPr>
+              <a:t>  photo(s</a:t>
+            </a:r>
+            <a:r>
+              <a:rPr lang="en-US" altLang="ja-JP" sz="2000" dirty="0" smtClean="0">
+                <a:latin typeface="Times New Roman" panose="02020603050405020304" pitchFamily="18" charset="0"/>
+                <a:cs typeface="Times New Roman" panose="02020603050405020304" pitchFamily="18" charset="0"/>
+              </a:rPr>
+              <a:t>) to identify </a:t>
+            </a:r>
+            <a:r>
+              <a:rPr lang="en-US" altLang="ja-JP" sz="2000" dirty="0">
+                <a:latin typeface="Times New Roman" panose="02020603050405020304" pitchFamily="18" charset="0"/>
+                <a:cs typeface="Times New Roman" panose="02020603050405020304" pitchFamily="18" charset="0"/>
+              </a:rPr>
+              <a:t>you in the poster </a:t>
+            </a:r>
+            <a:r>
+              <a:rPr lang="en-US" altLang="ja-JP" sz="2000" dirty="0" smtClean="0">
+                <a:latin typeface="Times New Roman" panose="02020603050405020304" pitchFamily="18" charset="0"/>
+                <a:cs typeface="Times New Roman" panose="02020603050405020304" pitchFamily="18" charset="0"/>
+              </a:rPr>
+              <a:t>preview section.</a:t>
+            </a:r>
+            <a:endParaRPr lang="en-US" altLang="ja-JP" sz="2000" dirty="0">
+              <a:latin typeface="Times New Roman" panose="02020603050405020304" pitchFamily="18" charset="0"/>
+              <a:cs typeface="Times New Roman" panose="02020603050405020304" pitchFamily="18" charset="0"/>
+            </a:endParaRPr>
+          </a:p>
+          <a:p>
+            <a:pPr marL="360000" indent="-360000" eaLnBrk="1" hangingPunct="1">
+              <a:lnSpc>
+                <a:spcPct val="100000"/>
+              </a:lnSpc>
+              <a:spcBef>
+                <a:spcPct val="0"/>
+              </a:spcBef>
+              <a:buFont typeface="+mj-lt"/>
+              <a:buAutoNum type="arabicPeriod"/>
+            </a:pPr>
+            <a:r>
+              <a:rPr lang="en-US" altLang="ja-JP" sz="2000" dirty="0" smtClean="0">
+                <a:latin typeface="Times New Roman" panose="02020603050405020304" pitchFamily="18" charset="0"/>
+                <a:cs typeface="Times New Roman" panose="02020603050405020304" pitchFamily="18" charset="0"/>
+              </a:rPr>
+              <a:t>Put </a:t>
+            </a:r>
+            <a:r>
+              <a:rPr lang="en-US" altLang="ja-JP" sz="2000" dirty="0">
+                <a:latin typeface="Times New Roman" panose="02020603050405020304" pitchFamily="18" charset="0"/>
+                <a:cs typeface="Times New Roman" panose="02020603050405020304" pitchFamily="18" charset="0"/>
+              </a:rPr>
+              <a:t>one </a:t>
+            </a:r>
+            <a:r>
+              <a:rPr lang="en-US" altLang="ja-JP" sz="2000" dirty="0" smtClean="0">
+                <a:latin typeface="Times New Roman" panose="02020603050405020304" pitchFamily="18" charset="0"/>
+                <a:cs typeface="Times New Roman" panose="02020603050405020304" pitchFamily="18" charset="0"/>
+              </a:rPr>
+              <a:t>or two main figure(s) </a:t>
+            </a:r>
+            <a:r>
+              <a:rPr lang="en-US" altLang="ja-JP" sz="2000" dirty="0">
+                <a:latin typeface="Times New Roman" panose="02020603050405020304" pitchFamily="18" charset="0"/>
+                <a:cs typeface="Times New Roman" panose="02020603050405020304" pitchFamily="18" charset="0"/>
+              </a:rPr>
+              <a:t>of </a:t>
+            </a:r>
+            <a:r>
+              <a:rPr lang="en-US" altLang="ja-JP" sz="2000" dirty="0" smtClean="0">
                 <a:latin typeface="Times New Roman" panose="02020603050405020304" pitchFamily="18" charset="0"/>
                 <a:cs typeface="Times New Roman" panose="02020603050405020304" pitchFamily="18" charset="0"/>
               </a:rPr>
               <a:t>your </a:t>
             </a:r>
             <a:r>
-              <a:rPr lang="en-US" altLang="ja-JP" sz="1800" dirty="0" smtClean="0">
+              <a:rPr lang="en-US" altLang="zh-CN" sz="2000" dirty="0" smtClean="0">
                 <a:latin typeface="Times New Roman" panose="02020603050405020304" pitchFamily="18" charset="0"/>
                 <a:cs typeface="Times New Roman" panose="02020603050405020304" pitchFamily="18" charset="0"/>
               </a:rPr>
-              <a:t>title, your name(s) </a:t>
-            </a:r>
-            <a:r>
-              <a:rPr lang="en-US" altLang="ja-JP" sz="1800" dirty="0">
+              <a:t>poster</a:t>
+            </a:r>
+            <a:r>
+              <a:rPr lang="en-US" altLang="ja-JP" sz="2000" dirty="0" smtClean="0">
                 <a:latin typeface="Times New Roman" panose="02020603050405020304" pitchFamily="18" charset="0"/>
                 <a:cs typeface="Times New Roman" panose="02020603050405020304" pitchFamily="18" charset="0"/>
               </a:rPr>
-              <a:t>and your </a:t>
-            </a:r>
-            <a:r>
-              <a:rPr lang="en-US" altLang="ja-JP" sz="1800" dirty="0" smtClean="0">
+              <a:t> presentation.</a:t>
+            </a:r>
+            <a:endParaRPr lang="en-US" altLang="ja-JP" sz="2000" dirty="0">
+              <a:latin typeface="Times New Roman" panose="02020603050405020304" pitchFamily="18" charset="0"/>
+              <a:cs typeface="Times New Roman" panose="02020603050405020304" pitchFamily="18" charset="0"/>
+            </a:endParaRPr>
+          </a:p>
+          <a:p>
+            <a:pPr marL="360000" indent="-360000" eaLnBrk="1" hangingPunct="1">
+              <a:lnSpc>
+                <a:spcPct val="100000"/>
+              </a:lnSpc>
+              <a:spcBef>
+                <a:spcPct val="0"/>
+              </a:spcBef>
+              <a:buFont typeface="+mj-lt"/>
+              <a:buAutoNum type="arabicPeriod"/>
+            </a:pPr>
+            <a:r>
+              <a:rPr lang="en-US" altLang="ja-JP" sz="2000" dirty="0" smtClean="0">
                 <a:latin typeface="Times New Roman" panose="02020603050405020304" pitchFamily="18" charset="0"/>
                 <a:cs typeface="Times New Roman" panose="02020603050405020304" pitchFamily="18" charset="0"/>
               </a:rPr>
-              <a:t>photo(s) for </a:t>
-            </a:r>
-            <a:r>
-              <a:rPr lang="en-US" altLang="ja-JP" sz="1800" dirty="0">
+              <a:t>Put </a:t>
+            </a:r>
+            <a:r>
+              <a:rPr lang="en-US" altLang="ja-JP" sz="2000" dirty="0">
                 <a:latin typeface="Times New Roman" panose="02020603050405020304" pitchFamily="18" charset="0"/>
                 <a:cs typeface="Times New Roman" panose="02020603050405020304" pitchFamily="18" charset="0"/>
               </a:rPr>
-              <a:t>identifying you in the poster talk.</a:t>
-            </a:r>
-          </a:p>
-          <a:p>
-            <a:pPr eaLnBrk="1" hangingPunct="1">
-              <a:lnSpc>
-                <a:spcPct val="100000"/>
-              </a:lnSpc>
-              <a:spcBef>
-                <a:spcPct val="0"/>
-              </a:spcBef>
-              <a:buFontTx/>
-              <a:buNone/>
-            </a:pPr>
-            <a:r>
-              <a:rPr lang="en-US" altLang="ja-JP" sz="1800" dirty="0">
-                <a:latin typeface="Times New Roman" panose="02020603050405020304" pitchFamily="18" charset="0"/>
-                <a:cs typeface="Times New Roman" panose="02020603050405020304" pitchFamily="18" charset="0"/>
-              </a:rPr>
-              <a:t>(2) Put one main figure or two of </a:t>
-            </a:r>
-            <a:r>
-              <a:rPr lang="en-US" altLang="ja-JP" sz="1800" dirty="0" smtClean="0">
+              <a:t>one key message of </a:t>
+            </a:r>
+            <a:r>
+              <a:rPr lang="en-US" altLang="ja-JP" sz="2000" dirty="0" smtClean="0">
                 <a:latin typeface="Times New Roman" panose="02020603050405020304" pitchFamily="18" charset="0"/>
                 <a:cs typeface="Times New Roman" panose="02020603050405020304" pitchFamily="18" charset="0"/>
               </a:rPr>
               <a:t>your </a:t>
             </a:r>
             <a:r>
-              <a:rPr lang="en-US" altLang="zh-CN" sz="1800" dirty="0" smtClean="0">
+              <a:rPr lang="en-US" altLang="zh-CN" sz="2000" dirty="0" smtClean="0">
                 <a:latin typeface="Times New Roman" panose="02020603050405020304" pitchFamily="18" charset="0"/>
                 <a:cs typeface="Times New Roman" panose="02020603050405020304" pitchFamily="18" charset="0"/>
               </a:rPr>
               <a:t>poster</a:t>
             </a:r>
             <a:r>
-              <a:rPr lang="en-US" altLang="ja-JP" sz="1800" dirty="0" smtClean="0">
+              <a:rPr lang="en-US" altLang="ja-JP" sz="2000" dirty="0" smtClean="0">
                 <a:latin typeface="Times New Roman" panose="02020603050405020304" pitchFamily="18" charset="0"/>
                 <a:cs typeface="Times New Roman" panose="02020603050405020304" pitchFamily="18" charset="0"/>
               </a:rPr>
               <a:t> presentation.</a:t>
             </a:r>
-            <a:endParaRPr lang="en-US" altLang="ja-JP" sz="1800" dirty="0">
+            <a:endParaRPr lang="en-US" altLang="ja-JP" sz="2000" dirty="0">
               <a:latin typeface="Times New Roman" panose="02020603050405020304" pitchFamily="18" charset="0"/>
               <a:cs typeface="Times New Roman" panose="02020603050405020304" pitchFamily="18" charset="0"/>
             </a:endParaRPr>
           </a:p>
           <a:p>
-            <a:pPr eaLnBrk="1" hangingPunct="1">
+            <a:pPr marL="360000" indent="-360000" eaLnBrk="1" hangingPunct="1">
               <a:lnSpc>
                 <a:spcPct val="100000"/>
               </a:lnSpc>
               <a:spcBef>
                 <a:spcPct val="0"/>
               </a:spcBef>
-              <a:buFontTx/>
-              <a:buNone/>
+              <a:buFont typeface="+mj-lt"/>
+              <a:buAutoNum type="arabicPeriod"/>
             </a:pPr>
             <a:r>
-              <a:rPr lang="en-US" altLang="ja-JP" sz="1800" dirty="0">
+              <a:rPr lang="en-US" altLang="ja-JP" sz="2000" dirty="0" smtClean="0">
                 <a:latin typeface="Times New Roman" panose="02020603050405020304" pitchFamily="18" charset="0"/>
                 <a:cs typeface="Times New Roman" panose="02020603050405020304" pitchFamily="18" charset="0"/>
               </a:rPr>
-              <a:t>(3) Put one key message of </a:t>
-            </a:r>
-            <a:r>
-              <a:rPr lang="en-US" altLang="ja-JP" sz="1800" dirty="0" smtClean="0">
+              <a:t>Avoid </a:t>
+            </a:r>
+            <a:r>
+              <a:rPr lang="en-US" altLang="ja-JP" sz="2000" dirty="0">
+                <a:latin typeface="Times New Roman" panose="02020603050405020304" pitchFamily="18" charset="0"/>
+                <a:cs typeface="Times New Roman" panose="02020603050405020304" pitchFamily="18" charset="0"/>
+              </a:rPr>
+              <a:t>long sentences or too special </a:t>
+            </a:r>
+            <a:r>
+              <a:rPr lang="en-US" altLang="ja-JP" sz="2000" dirty="0" smtClean="0">
+                <a:latin typeface="Times New Roman" panose="02020603050405020304" pitchFamily="18" charset="0"/>
+                <a:cs typeface="Times New Roman" panose="02020603050405020304" pitchFamily="18" charset="0"/>
+              </a:rPr>
+              <a:t>keywords.</a:t>
+            </a:r>
+            <a:endParaRPr lang="en-US" altLang="ja-JP" sz="2000" dirty="0">
+              <a:latin typeface="Times New Roman" panose="02020603050405020304" pitchFamily="18" charset="0"/>
+              <a:cs typeface="Times New Roman" panose="02020603050405020304" pitchFamily="18" charset="0"/>
+            </a:endParaRPr>
+          </a:p>
+          <a:p>
+            <a:pPr marL="360000" indent="-360000" eaLnBrk="1" hangingPunct="1">
+              <a:lnSpc>
+                <a:spcPct val="100000"/>
+              </a:lnSpc>
+              <a:spcBef>
+                <a:spcPct val="0"/>
+              </a:spcBef>
+              <a:buFont typeface="+mj-lt"/>
+              <a:buAutoNum type="arabicPeriod"/>
+            </a:pPr>
+            <a:r>
+              <a:rPr lang="en-US" altLang="ja-JP" sz="2000" dirty="0" smtClean="0">
+                <a:latin typeface="Times New Roman" panose="02020603050405020304" pitchFamily="18" charset="0"/>
+                <a:cs typeface="Times New Roman" panose="02020603050405020304" pitchFamily="18" charset="0"/>
+              </a:rPr>
+              <a:t>Put </a:t>
+            </a:r>
+            <a:r>
+              <a:rPr lang="en-US" altLang="ja-JP" sz="2000" dirty="0">
+                <a:latin typeface="Times New Roman" panose="02020603050405020304" pitchFamily="18" charset="0"/>
+                <a:cs typeface="Times New Roman" panose="02020603050405020304" pitchFamily="18" charset="0"/>
+              </a:rPr>
+              <a:t>a short message </a:t>
+            </a:r>
+            <a:r>
+              <a:rPr lang="en-US" altLang="ja-JP" sz="2000" dirty="0" smtClean="0">
+                <a:latin typeface="Times New Roman" panose="02020603050405020304" pitchFamily="18" charset="0"/>
+                <a:cs typeface="Times New Roman" panose="02020603050405020304" pitchFamily="18" charset="0"/>
+              </a:rPr>
+              <a:t>in the note to help the poster presenter introducing your poster presentation.</a:t>
+            </a:r>
+          </a:p>
+          <a:p>
+            <a:pPr marL="360000" indent="-360000" eaLnBrk="1" hangingPunct="1">
+              <a:lnSpc>
+                <a:spcPct val="100000"/>
+              </a:lnSpc>
+              <a:spcBef>
+                <a:spcPct val="0"/>
+              </a:spcBef>
+              <a:buFont typeface="+mj-lt"/>
+              <a:buAutoNum type="arabicPeriod"/>
+            </a:pPr>
+            <a:r>
+              <a:rPr lang="en-US" altLang="ja-JP" sz="2000" dirty="0" smtClean="0">
+                <a:latin typeface="Times New Roman" panose="02020603050405020304" pitchFamily="18" charset="0"/>
+                <a:cs typeface="Times New Roman" panose="02020603050405020304" pitchFamily="18" charset="0"/>
+              </a:rPr>
+              <a:t>Rename </a:t>
+            </a:r>
+            <a:r>
+              <a:rPr lang="en-US" altLang="ja-JP" sz="2000" dirty="0" smtClean="0">
+                <a:latin typeface="Times New Roman" panose="02020603050405020304" pitchFamily="18" charset="0"/>
+                <a:cs typeface="Times New Roman" panose="02020603050405020304" pitchFamily="18" charset="0"/>
+              </a:rPr>
+              <a:t>the file with your poster number.</a:t>
+            </a:r>
+          </a:p>
+          <a:p>
+            <a:pPr marL="360000" indent="-360000">
+              <a:lnSpc>
+                <a:spcPct val="100000"/>
+              </a:lnSpc>
+              <a:spcBef>
+                <a:spcPct val="0"/>
+              </a:spcBef>
+              <a:buFont typeface="+mj-lt"/>
+              <a:buAutoNum type="arabicPeriod"/>
+            </a:pPr>
+            <a:r>
+              <a:rPr lang="en-US" altLang="ja-JP" sz="2000" dirty="0" smtClean="0">
+                <a:latin typeface="Times New Roman" panose="02020603050405020304" pitchFamily="18" charset="0"/>
+                <a:cs typeface="Times New Roman" panose="02020603050405020304" pitchFamily="18" charset="0"/>
+              </a:rPr>
+              <a:t>Upload </a:t>
+            </a:r>
+            <a:r>
+              <a:rPr lang="en-US" altLang="ja-JP" sz="2000" dirty="0" smtClean="0">
+                <a:latin typeface="Times New Roman" panose="02020603050405020304" pitchFamily="18" charset="0"/>
+                <a:cs typeface="Times New Roman" panose="02020603050405020304" pitchFamily="18" charset="0"/>
+              </a:rPr>
+              <a:t>and submit the PPT or PPTX file in </a:t>
+            </a:r>
+            <a:r>
+              <a:rPr lang="en-US" altLang="ja-JP" sz="2000" dirty="0">
                 <a:latin typeface="Times New Roman" panose="02020603050405020304" pitchFamily="18" charset="0"/>
                 <a:cs typeface="Times New Roman" panose="02020603050405020304" pitchFamily="18" charset="0"/>
               </a:rPr>
               <a:t>the </a:t>
             </a:r>
             <a:r>
-              <a:rPr lang="en-US" altLang="zh-CN" sz="1800" dirty="0" smtClean="0">
+              <a:rPr lang="en-US" altLang="ja-JP" sz="2000" dirty="0" smtClean="0">
                 <a:latin typeface="Times New Roman" panose="02020603050405020304" pitchFamily="18" charset="0"/>
                 <a:cs typeface="Times New Roman" panose="02020603050405020304" pitchFamily="18" charset="0"/>
               </a:rPr>
-              <a:t>poster</a:t>
-            </a:r>
-            <a:r>
-              <a:rPr lang="en-US" altLang="ja-JP" sz="1800" dirty="0" smtClean="0">
+              <a:t>NT18 abstract submission system with your login account before July 1</a:t>
+            </a:r>
+            <a:r>
+              <a:rPr lang="en-US" altLang="ja-JP" sz="2000" baseline="30000" dirty="0" smtClean="0">
                 <a:latin typeface="Times New Roman" panose="02020603050405020304" pitchFamily="18" charset="0"/>
                 <a:cs typeface="Times New Roman" panose="02020603050405020304" pitchFamily="18" charset="0"/>
               </a:rPr>
-              <a:t> presentation.</a:t>
-            </a:r>
-            <a:endParaRPr lang="en-US" altLang="ja-JP" sz="1800" dirty="0">
+              <a:t>st</a:t>
+            </a:r>
+            <a:r>
+              <a:rPr lang="en-US" altLang="ja-JP" sz="2000" dirty="0" smtClean="0">
+                <a:latin typeface="Times New Roman" panose="02020603050405020304" pitchFamily="18" charset="0"/>
+                <a:cs typeface="Times New Roman" panose="02020603050405020304" pitchFamily="18" charset="0"/>
+              </a:rPr>
+              <a:t>, 2018.</a:t>
+            </a:r>
+            <a:endParaRPr lang="en-US" altLang="ja-JP" sz="2000" dirty="0">
               <a:latin typeface="Times New Roman" panose="02020603050405020304" pitchFamily="18" charset="0"/>
               <a:cs typeface="Times New Roman" panose="02020603050405020304" pitchFamily="18" charset="0"/>
             </a:endParaRPr>
           </a:p>
-          <a:p>
-            <a:pPr eaLnBrk="1" hangingPunct="1">
-              <a:lnSpc>
-                <a:spcPct val="100000"/>
-              </a:lnSpc>
-              <a:spcBef>
-                <a:spcPct val="0"/>
-              </a:spcBef>
-              <a:buFontTx/>
-              <a:buNone/>
-            </a:pPr>
-            <a:r>
-              <a:rPr lang="en-US" altLang="ja-JP" sz="1800" dirty="0">
-                <a:latin typeface="Times New Roman" panose="02020603050405020304" pitchFamily="18" charset="0"/>
-                <a:cs typeface="Times New Roman" panose="02020603050405020304" pitchFamily="18" charset="0"/>
-              </a:rPr>
-              <a:t>(4) Avoid long sentences or too special </a:t>
-            </a:r>
-            <a:r>
-              <a:rPr lang="en-US" altLang="ja-JP" sz="1800" dirty="0" smtClean="0">
-                <a:latin typeface="Times New Roman" panose="02020603050405020304" pitchFamily="18" charset="0"/>
-                <a:cs typeface="Times New Roman" panose="02020603050405020304" pitchFamily="18" charset="0"/>
-              </a:rPr>
-              <a:t>keywords.</a:t>
-            </a:r>
-            <a:endParaRPr lang="en-US" altLang="ja-JP" sz="1800" dirty="0">
-              <a:latin typeface="Times New Roman" panose="02020603050405020304" pitchFamily="18" charset="0"/>
-              <a:cs typeface="Times New Roman" panose="02020603050405020304" pitchFamily="18" charset="0"/>
-            </a:endParaRPr>
-          </a:p>
-          <a:p>
-            <a:pPr eaLnBrk="1" hangingPunct="1">
-              <a:lnSpc>
-                <a:spcPct val="100000"/>
-              </a:lnSpc>
-              <a:spcBef>
-                <a:spcPct val="0"/>
-              </a:spcBef>
-              <a:buFontTx/>
-              <a:buNone/>
-            </a:pPr>
-            <a:r>
-              <a:rPr lang="en-US" altLang="ja-JP" sz="1800" dirty="0">
-                <a:latin typeface="Times New Roman" panose="02020603050405020304" pitchFamily="18" charset="0"/>
-                <a:cs typeface="Times New Roman" panose="02020603050405020304" pitchFamily="18" charset="0"/>
-              </a:rPr>
-              <a:t>(5) It would be nice if you gave a short message </a:t>
-            </a:r>
-            <a:r>
-              <a:rPr lang="en-US" altLang="ja-JP" sz="1800" dirty="0" smtClean="0">
-                <a:latin typeface="Times New Roman" panose="02020603050405020304" pitchFamily="18" charset="0"/>
-                <a:cs typeface="Times New Roman" panose="02020603050405020304" pitchFamily="18" charset="0"/>
-              </a:rPr>
-              <a:t>to poster </a:t>
-            </a:r>
-            <a:r>
-              <a:rPr lang="en-US" altLang="ja-JP" sz="1800" dirty="0">
-                <a:latin typeface="Times New Roman" panose="02020603050405020304" pitchFamily="18" charset="0"/>
-                <a:cs typeface="Times New Roman" panose="02020603050405020304" pitchFamily="18" charset="0"/>
-              </a:rPr>
-              <a:t>talk presenter</a:t>
-            </a:r>
-            <a:r>
-              <a:rPr lang="en-US" altLang="ja-JP" sz="1800" dirty="0" smtClean="0">
-                <a:latin typeface="Times New Roman" panose="02020603050405020304" pitchFamily="18" charset="0"/>
-                <a:cs typeface="Times New Roman" panose="02020603050405020304" pitchFamily="18" charset="0"/>
-              </a:rPr>
-              <a:t>.</a:t>
-            </a:r>
-          </a:p>
-          <a:p>
-            <a:pPr eaLnBrk="1" hangingPunct="1">
-              <a:lnSpc>
-                <a:spcPct val="100000"/>
-              </a:lnSpc>
-              <a:spcBef>
-                <a:spcPct val="0"/>
-              </a:spcBef>
-              <a:buFontTx/>
-              <a:buNone/>
-            </a:pPr>
-            <a:r>
-              <a:rPr lang="en-US" altLang="zh-CN" sz="1800" dirty="0">
-                <a:latin typeface="Times New Roman" panose="02020603050405020304" pitchFamily="18" charset="0"/>
-                <a:cs typeface="Times New Roman" panose="02020603050405020304" pitchFamily="18" charset="0"/>
-              </a:rPr>
-              <a:t>(</a:t>
-            </a:r>
-            <a:r>
-              <a:rPr lang="en-US" altLang="zh-CN" sz="1800" dirty="0" smtClean="0">
-                <a:latin typeface="Times New Roman" panose="02020603050405020304" pitchFamily="18" charset="0"/>
-                <a:cs typeface="Times New Roman" panose="02020603050405020304" pitchFamily="18" charset="0"/>
-              </a:rPr>
-              <a:t>6</a:t>
-            </a:r>
-            <a:r>
-              <a:rPr lang="en-US" altLang="zh-CN" sz="1800" dirty="0">
-                <a:latin typeface="Times New Roman" panose="02020603050405020304" pitchFamily="18" charset="0"/>
-                <a:cs typeface="Times New Roman" panose="02020603050405020304" pitchFamily="18" charset="0"/>
-              </a:rPr>
-              <a:t>)</a:t>
-            </a:r>
-            <a:r>
-              <a:rPr lang="zh-CN" altLang="en-US" sz="1800" dirty="0" smtClean="0">
-                <a:latin typeface="Times New Roman" panose="02020603050405020304" pitchFamily="18" charset="0"/>
-                <a:cs typeface="Times New Roman" panose="02020603050405020304" pitchFamily="18" charset="0"/>
-              </a:rPr>
-              <a:t> </a:t>
-            </a:r>
-            <a:r>
-              <a:rPr lang="en-US" altLang="zh-CN" sz="1800" dirty="0" smtClean="0">
-                <a:latin typeface="Times New Roman" panose="02020603050405020304" pitchFamily="18" charset="0"/>
-                <a:cs typeface="Times New Roman" panose="02020603050405020304" pitchFamily="18" charset="0"/>
-              </a:rPr>
-              <a:t>Do not forget to fill </a:t>
-            </a:r>
-            <a:r>
-              <a:rPr lang="en-US" altLang="zh-CN" sz="1800" dirty="0" smtClean="0">
-                <a:latin typeface="Times New Roman" panose="02020603050405020304" pitchFamily="18" charset="0"/>
-                <a:cs typeface="Times New Roman" panose="02020603050405020304" pitchFamily="18" charset="0"/>
-              </a:rPr>
-              <a:t>the Poster No..</a:t>
-            </a:r>
-          </a:p>
-          <a:p>
-            <a:pPr eaLnBrk="1" hangingPunct="1">
-              <a:lnSpc>
-                <a:spcPct val="100000"/>
-              </a:lnSpc>
-              <a:spcBef>
-                <a:spcPct val="0"/>
-              </a:spcBef>
-              <a:buFontTx/>
-              <a:buNone/>
-            </a:pPr>
-            <a:r>
-              <a:rPr lang="en-US" altLang="ja-JP" sz="1800" dirty="0" smtClean="0">
-                <a:latin typeface="Times New Roman" panose="02020603050405020304" pitchFamily="18" charset="0"/>
-                <a:cs typeface="Times New Roman" panose="02020603050405020304" pitchFamily="18" charset="0"/>
-              </a:rPr>
-              <a:t>(7) Name the file with your poster number.</a:t>
-            </a:r>
-          </a:p>
-          <a:p>
-            <a:pPr eaLnBrk="1" hangingPunct="1">
-              <a:lnSpc>
-                <a:spcPct val="100000"/>
-              </a:lnSpc>
-              <a:spcBef>
-                <a:spcPct val="0"/>
-              </a:spcBef>
-              <a:buFontTx/>
-              <a:buNone/>
-            </a:pPr>
-            <a:endParaRPr lang="en-US" altLang="ja-JP" sz="1800" dirty="0">
-              <a:solidFill>
-                <a:srgbClr val="FF0000"/>
-              </a:solidFill>
-              <a:latin typeface="Times New Roman" panose="02020603050405020304" pitchFamily="18" charset="0"/>
-              <a:cs typeface="Times New Roman" panose="02020603050405020304" pitchFamily="18" charset="0"/>
-            </a:endParaRPr>
-          </a:p>
         </p:txBody>
       </p:sp>
       <p:sp>
@@ -3755,7 +3793,7 @@
         </p:nvSpPr>
         <p:spPr bwMode="auto">
           <a:xfrm>
-            <a:off x="7227141" y="2230900"/>
+            <a:off x="7183316" y="2230900"/>
             <a:ext cx="1295702" cy="369332"/>
           </a:xfrm>
           <a:prstGeom prst="rect">
@@ -3957,7 +3995,7 @@
             </a:lvl9pPr>
           </a:lstStyle>
           <a:p>
-            <a:pPr eaLnBrk="1" hangingPunct="1">
+            <a:pPr algn="ctr" eaLnBrk="1" hangingPunct="1">
               <a:lnSpc>
                 <a:spcPct val="100000"/>
               </a:lnSpc>
@@ -3991,8 +4029,8 @@
         </p:nvSpPr>
         <p:spPr bwMode="auto">
           <a:xfrm>
-            <a:off x="1579517" y="349057"/>
-            <a:ext cx="4821283" cy="461665"/>
+            <a:off x="195309" y="686624"/>
+            <a:ext cx="6729273" cy="523220"/>
           </a:xfrm>
           <a:prstGeom prst="rect">
             <a:avLst/>
@@ -4193,7 +4231,7 @@
             </a:lvl9pPr>
           </a:lstStyle>
           <a:p>
-            <a:pPr eaLnBrk="1" hangingPunct="1">
+            <a:pPr algn="ctr" eaLnBrk="1" hangingPunct="1">
               <a:lnSpc>
                 <a:spcPct val="100000"/>
               </a:lnSpc>
@@ -4204,22 +4242,15 @@
               <a:buNone/>
             </a:pPr>
             <a:r>
-              <a:rPr lang="en-US" altLang="ja-JP" sz="2400" dirty="0" smtClean="0">
-                <a:latin typeface="Times New Roman" panose="02020603050405020304" pitchFamily="18" charset="0"/>
-                <a:cs typeface="Times New Roman" panose="02020603050405020304" pitchFamily="18" charset="0"/>
+              <a:rPr lang="en-US" altLang="ja-JP" b="1" dirty="0" smtClean="0">
+                <a:latin typeface="Arial" panose="020B0604020202020204" pitchFamily="34" charset="0"/>
+                <a:cs typeface="Arial" panose="020B0604020202020204" pitchFamily="34" charset="0"/>
               </a:rPr>
-              <a:t>Title of </a:t>
-            </a:r>
-            <a:r>
-              <a:rPr lang="en-US" altLang="ja-JP" sz="2400" dirty="0">
-                <a:latin typeface="Times New Roman" panose="02020603050405020304" pitchFamily="18" charset="0"/>
-                <a:cs typeface="Times New Roman" panose="02020603050405020304" pitchFamily="18" charset="0"/>
-              </a:rPr>
-              <a:t>your Poster</a:t>
-            </a:r>
-            <a:endParaRPr lang="ja-JP" altLang="en-US" sz="2400" dirty="0">
-              <a:latin typeface="Times New Roman" panose="02020603050405020304" pitchFamily="18" charset="0"/>
-              <a:cs typeface="Times New Roman" panose="02020603050405020304" pitchFamily="18" charset="0"/>
+              <a:t>Title of your Poster</a:t>
+            </a:r>
+            <a:endParaRPr lang="ja-JP" altLang="en-US" b="1" dirty="0">
+              <a:latin typeface="Arial" panose="020B0604020202020204" pitchFamily="34" charset="0"/>
+              <a:cs typeface="Arial" panose="020B0604020202020204" pitchFamily="34" charset="0"/>
             </a:endParaRPr>
           </a:p>
         </p:txBody>
@@ -4240,7 +4271,7 @@
         </p:blipFill>
         <p:spPr>
           <a:xfrm>
-            <a:off x="7050995" y="482600"/>
+            <a:off x="7050996" y="482600"/>
             <a:ext cx="1560343" cy="1748300"/>
           </a:xfrm>
           <a:prstGeom prst="rect">
@@ -4258,7 +4289,7 @@
         </p:nvSpPr>
         <p:spPr bwMode="auto">
           <a:xfrm>
-            <a:off x="7138646" y="1678450"/>
+            <a:off x="7094821" y="1678450"/>
             <a:ext cx="1472692" cy="369332"/>
           </a:xfrm>
           <a:prstGeom prst="rect">
@@ -4460,7 +4491,7 @@
             </a:lvl9pPr>
           </a:lstStyle>
           <a:p>
-            <a:pPr eaLnBrk="1" hangingPunct="1">
+            <a:pPr algn="ctr" eaLnBrk="1" hangingPunct="1">
               <a:lnSpc>
                 <a:spcPct val="100000"/>
               </a:lnSpc>
